--- a/Poster/template/eeod_poster_LEEC.pptx
+++ b/Poster/template/eeod_poster_LEEC.pptx
@@ -249,7 +249,7 @@
           <a:p>
             <a:fld id="{4D61E05A-F8BC-7242-A6A9-E2ECF5BA0C96}" type="slidenum">
               <a:rPr lang="pt-PT" smtClean="0"/>
-              <a:t>‹nº›</a:t>
+              <a:t>‹#›</a:t>
             </a:fld>
             <a:endParaRPr lang="pt-PT"/>
           </a:p>
@@ -290,7 +290,7 @@
           <a:p>
             <a:fld id="{47E2C58E-65E8-144A-9659-18C45F25646D}" type="datetimeFigureOut">
               <a:rPr lang="pt-PT" smtClean="0"/>
-              <a:t>20/10/2020</a:t>
+              <a:t>15/05/2021</a:t>
             </a:fld>
             <a:endParaRPr lang="pt-PT"/>
           </a:p>
@@ -1359,6 +1359,42 @@
           </a:p>
         </p:txBody>
       </p:sp>
+      <p:sp>
+        <p:nvSpPr>
+          <p:cNvPr id="2" name="TextBox 1">
+            <a:extLst>
+              <a:ext uri="{FF2B5EF4-FFF2-40B4-BE49-F238E27FC236}">
+                <a16:creationId xmlns:a16="http://schemas.microsoft.com/office/drawing/2014/main" id="{837E63CD-F617-4CDC-A655-315ED15B52FC}"/>
+              </a:ext>
+            </a:extLst>
+          </p:cNvPr>
+          <p:cNvSpPr txBox="1"/>
+          <p:nvPr/>
+        </p:nvSpPr>
+        <p:spPr>
+          <a:xfrm>
+            <a:off x="3834581" y="5427406"/>
+            <a:ext cx="877163" cy="369332"/>
+          </a:xfrm>
+          <a:prstGeom prst="rect">
+            <a:avLst/>
+          </a:prstGeom>
+          <a:noFill/>
+        </p:spPr>
+        <p:txBody>
+          <a:bodyPr wrap="none" rtlCol="0">
+            <a:spAutoFit/>
+          </a:bodyPr>
+          <a:lstStyle/>
+          <a:p>
+            <a:r>
+              <a:rPr lang="pt-PT"/>
+              <a:t>hghghg</a:t>
+            </a:r>
+            <a:endParaRPr lang="en-GB"/>
+          </a:p>
+        </p:txBody>
+      </p:sp>
     </p:spTree>
     <p:extLst>
       <p:ext uri="{BB962C8B-B14F-4D97-AF65-F5344CB8AC3E}">
